--- a/presentation.pptx
+++ b/presentation.pptx
@@ -5244,12 +5244,16 @@
               <a:t> </a:t>
             </a:r>
             <a:r>
-              <a:rPr lang="en-US" dirty="0" err="1"/>
+              <a:rPr lang="en-US" dirty="0" err="1" smtClean="0"/>
               <a:t>quadratic_equation</a:t>
             </a:r>
             <a:r>
+              <a:rPr lang="en-US" dirty="0" smtClean="0"/>
+              <a:t>(a</a:t>
+            </a:r>
+            <a:r>
               <a:rPr lang="en-US" dirty="0"/>
-              <a:t>(a, b, c):</a:t>
+              <a:t>, b, c):</a:t>
             </a:r>
           </a:p>
           <a:p>
@@ -5347,7 +5351,11 @@
             </a:pPr>
             <a:r>
               <a:rPr lang="en-US" dirty="0"/>
-              <a:t>            x_2 = (-b + </a:t>
+              <a:t>            x_2 = (-b </a:t>
+            </a:r>
+            <a:r>
+              <a:rPr lang="en-US" dirty="0" smtClean="0"/>
+              <a:t>- </a:t>
             </a:r>
             <a:r>
               <a:rPr lang="en-US" dirty="0" err="1"/>
@@ -5404,15 +5412,7 @@
             </a:pPr>
             <a:r>
               <a:rPr lang="en-US" dirty="0" smtClean="0"/>
-              <a:t>a = </a:t>
-            </a:r>
-            <a:r>
-              <a:rPr lang="en-US" dirty="0" err="1" smtClean="0"/>
-              <a:t>int</a:t>
-            </a:r>
-            <a:r>
-              <a:rPr lang="en-US" dirty="0" smtClean="0"/>
-              <a:t>(input("</a:t>
+              <a:t>a = float(input("</a:t>
             </a:r>
             <a:r>
               <a:rPr lang="ru-RU" dirty="0" smtClean="0"/>
@@ -5429,15 +5429,7 @@
             </a:pPr>
             <a:r>
               <a:rPr lang="en-US" dirty="0" smtClean="0"/>
-              <a:t>b = </a:t>
-            </a:r>
-            <a:r>
-              <a:rPr lang="en-US" dirty="0" err="1" smtClean="0"/>
-              <a:t>int</a:t>
-            </a:r>
-            <a:r>
-              <a:rPr lang="en-US" dirty="0" smtClean="0"/>
-              <a:t>(input("</a:t>
+              <a:t>b = float(input("</a:t>
             </a:r>
             <a:r>
               <a:rPr lang="ru-RU" dirty="0" smtClean="0"/>
@@ -5454,15 +5446,7 @@
             </a:pPr>
             <a:r>
               <a:rPr lang="en-US" dirty="0" smtClean="0"/>
-              <a:t>c = </a:t>
-            </a:r>
-            <a:r>
-              <a:rPr lang="en-US" dirty="0" err="1" smtClean="0"/>
-              <a:t>int</a:t>
-            </a:r>
-            <a:r>
-              <a:rPr lang="en-US" dirty="0" smtClean="0"/>
-              <a:t>(input("</a:t>
+              <a:t>c = float(input("</a:t>
             </a:r>
             <a:r>
               <a:rPr lang="ru-RU" dirty="0" smtClean="0"/>
